--- a/CS_English_Lecture4.pptx
+++ b/CS_English_Lecture4.pptx
@@ -5,7 +5,7 @@
     <p:sldMasterId id="2147483648" r:id="rId1"/>
   </p:sldMasterIdLst>
   <p:notesMasterIdLst>
-    <p:notesMasterId r:id="rId16"/>
+    <p:notesMasterId r:id="rId17"/>
   </p:notesMasterIdLst>
   <p:sldIdLst>
     <p:sldId id="346" r:id="rId2"/>
@@ -19,9 +19,10 @@
     <p:sldId id="261" r:id="rId10"/>
     <p:sldId id="262" r:id="rId11"/>
     <p:sldId id="263" r:id="rId12"/>
-    <p:sldId id="336" r:id="rId13"/>
-    <p:sldId id="337" r:id="rId14"/>
-    <p:sldId id="338" r:id="rId15"/>
+    <p:sldId id="347" r:id="rId13"/>
+    <p:sldId id="336" r:id="rId14"/>
+    <p:sldId id="337" r:id="rId15"/>
+    <p:sldId id="338" r:id="rId16"/>
   </p:sldIdLst>
   <p:sldSz cx="9144000" cy="6858000" type="screen4x3"/>
   <p:notesSz cx="6858000" cy="9144000"/>
@@ -344,7 +345,7 @@
         <p:nvSpPr>
           <p:cNvPr id="24580" name="Rectangle 4"/>
           <p:cNvSpPr>
-            <a:spLocks noRot="1" noChangeArrowheads="1" noTextEdit="1"/>
+            <a:spLocks noGrp="1" noRot="1" noChangeAspect="1" noChangeArrowheads="1" noTextEdit="1"/>
           </p:cNvSpPr>
           <p:nvPr>
             <p:ph type="sldImg" idx="2"/>
@@ -947,7 +948,7 @@
         <p:nvSpPr>
           <p:cNvPr id="25603" name="Rectangle 2"/>
           <p:cNvSpPr>
-            <a:spLocks noRot="1" noChangeArrowheads="1" noTextEdit="1"/>
+            <a:spLocks noGrp="1" noRot="1" noChangeAspect="1" noChangeArrowheads="1" noTextEdit="1"/>
           </p:cNvSpPr>
           <p:nvPr>
             <p:ph type="sldImg"/>
@@ -1184,7 +1185,7 @@
         <p:nvSpPr>
           <p:cNvPr id="37891" name="Rectangle 2"/>
           <p:cNvSpPr>
-            <a:spLocks noRot="1" noChangeArrowheads="1" noTextEdit="1"/>
+            <a:spLocks noGrp="1" noRot="1" noChangeAspect="1" noChangeArrowheads="1" noTextEdit="1"/>
           </p:cNvSpPr>
           <p:nvPr>
             <p:ph type="sldImg"/>
@@ -1415,7 +1416,7 @@
             <a:fld id="{0828DA21-B26A-8C4C-BD83-9D7F01F92A1D}" type="slidenum">
               <a:rPr lang="en-US" altLang="en-US"/>
               <a:pPr eaLnBrk="1" hangingPunct="1"/>
-              <a:t>12</a:t>
+              <a:t>13</a:t>
             </a:fld>
             <a:endParaRPr lang="en-US" altLang="en-US"/>
           </a:p>
@@ -1425,7 +1426,7 @@
         <p:nvSpPr>
           <p:cNvPr id="43011" name="Rectangle 2"/>
           <p:cNvSpPr>
-            <a:spLocks noRot="1" noChangeArrowheads="1" noTextEdit="1"/>
+            <a:spLocks noGrp="1" noRot="1" noChangeAspect="1" noChangeArrowheads="1" noTextEdit="1"/>
           </p:cNvSpPr>
           <p:nvPr>
             <p:ph type="sldImg"/>
@@ -1656,7 +1657,7 @@
             <a:fld id="{27E4277C-0B12-D945-ACBB-45B9A3A06308}" type="slidenum">
               <a:rPr lang="en-US" altLang="en-US"/>
               <a:pPr eaLnBrk="1" hangingPunct="1"/>
-              <a:t>13</a:t>
+              <a:t>14</a:t>
             </a:fld>
             <a:endParaRPr lang="en-US" altLang="en-US"/>
           </a:p>
@@ -1666,7 +1667,7 @@
         <p:nvSpPr>
           <p:cNvPr id="44035" name="Rectangle 2"/>
           <p:cNvSpPr>
-            <a:spLocks noRot="1" noChangeArrowheads="1" noTextEdit="1"/>
+            <a:spLocks noGrp="1" noRot="1" noChangeAspect="1" noChangeArrowheads="1" noTextEdit="1"/>
           </p:cNvSpPr>
           <p:nvPr>
             <p:ph type="sldImg"/>
@@ -1906,7 +1907,7 @@
             <a:fld id="{C71719DE-128D-7C4D-B6D7-78308B6EA8EB}" type="slidenum">
               <a:rPr lang="en-US" altLang="en-US"/>
               <a:pPr eaLnBrk="1" hangingPunct="1"/>
-              <a:t>14</a:t>
+              <a:t>15</a:t>
             </a:fld>
             <a:endParaRPr lang="en-US" altLang="en-US"/>
           </a:p>
@@ -1916,7 +1917,7 @@
         <p:nvSpPr>
           <p:cNvPr id="45059" name="Rectangle 2"/>
           <p:cNvSpPr>
-            <a:spLocks noRot="1" noChangeArrowheads="1" noTextEdit="1"/>
+            <a:spLocks noGrp="1" noRot="1" noChangeAspect="1" noChangeArrowheads="1" noTextEdit="1"/>
           </p:cNvSpPr>
           <p:nvPr>
             <p:ph type="sldImg"/>
@@ -2157,7 +2158,7 @@
         <p:nvSpPr>
           <p:cNvPr id="26627" name="Rectangle 2"/>
           <p:cNvSpPr>
-            <a:spLocks noRot="1" noChangeArrowheads="1" noTextEdit="1"/>
+            <a:spLocks noGrp="1" noRot="1" noChangeAspect="1" noChangeArrowheads="1" noTextEdit="1"/>
           </p:cNvSpPr>
           <p:nvPr>
             <p:ph type="sldImg"/>
@@ -2394,7 +2395,7 @@
         <p:nvSpPr>
           <p:cNvPr id="27651" name="Rectangle 2"/>
           <p:cNvSpPr>
-            <a:spLocks noRot="1" noChangeArrowheads="1" noTextEdit="1"/>
+            <a:spLocks noGrp="1" noRot="1" noChangeAspect="1" noChangeArrowheads="1" noTextEdit="1"/>
           </p:cNvSpPr>
           <p:nvPr>
             <p:ph type="sldImg"/>
@@ -2635,7 +2636,7 @@
         <p:nvSpPr>
           <p:cNvPr id="28675" name="Rectangle 2"/>
           <p:cNvSpPr>
-            <a:spLocks noRot="1" noChangeArrowheads="1" noTextEdit="1"/>
+            <a:spLocks noGrp="1" noRot="1" noChangeAspect="1" noChangeArrowheads="1" noTextEdit="1"/>
           </p:cNvSpPr>
           <p:nvPr>
             <p:ph type="sldImg"/>
@@ -2876,7 +2877,7 @@
         <p:nvSpPr>
           <p:cNvPr id="29699" name="Rectangle 2"/>
           <p:cNvSpPr>
-            <a:spLocks noRot="1" noChangeArrowheads="1" noTextEdit="1"/>
+            <a:spLocks noGrp="1" noRot="1" noChangeAspect="1" noChangeArrowheads="1" noTextEdit="1"/>
           </p:cNvSpPr>
           <p:nvPr>
             <p:ph type="sldImg"/>
@@ -3117,7 +3118,7 @@
         <p:nvSpPr>
           <p:cNvPr id="30723" name="Rectangle 2"/>
           <p:cNvSpPr>
-            <a:spLocks noRot="1" noChangeArrowheads="1" noTextEdit="1"/>
+            <a:spLocks noGrp="1" noRot="1" noChangeAspect="1" noChangeArrowheads="1" noTextEdit="1"/>
           </p:cNvSpPr>
           <p:nvPr>
             <p:ph type="sldImg"/>
@@ -3358,7 +3359,7 @@
         <p:nvSpPr>
           <p:cNvPr id="31747" name="Rectangle 2"/>
           <p:cNvSpPr>
-            <a:spLocks noRot="1" noChangeArrowheads="1" noTextEdit="1"/>
+            <a:spLocks noGrp="1" noRot="1" noChangeAspect="1" noChangeArrowheads="1" noTextEdit="1"/>
           </p:cNvSpPr>
           <p:nvPr>
             <p:ph type="sldImg"/>
@@ -3599,7 +3600,7 @@
         <p:nvSpPr>
           <p:cNvPr id="34819" name="Rectangle 2"/>
           <p:cNvSpPr>
-            <a:spLocks noRot="1" noChangeArrowheads="1" noTextEdit="1"/>
+            <a:spLocks noGrp="1" noRot="1" noChangeAspect="1" noChangeArrowheads="1" noTextEdit="1"/>
           </p:cNvSpPr>
           <p:nvPr>
             <p:ph type="sldImg"/>
@@ -3840,7 +3841,7 @@
         <p:nvSpPr>
           <p:cNvPr id="36867" name="Rectangle 2"/>
           <p:cNvSpPr>
-            <a:spLocks noRot="1" noChangeArrowheads="1" noTextEdit="1"/>
+            <a:spLocks noGrp="1" noRot="1" noChangeAspect="1" noChangeArrowheads="1" noTextEdit="1"/>
           </p:cNvSpPr>
           <p:nvPr>
             <p:ph type="sldImg"/>
@@ -7381,13 +7382,8 @@
           <a:p>
             <a:r>
               <a:rPr lang="en-US" dirty="0" smtClean="0"/>
-              <a:t>Lecture </a:t>
-            </a:r>
-            <a:r>
-              <a:rPr lang="en-US" dirty="0" smtClean="0"/>
-              <a:t>4</a:t>
-            </a:r>
-            <a:endParaRPr lang="en-US" dirty="0" smtClean="0"/>
+              <a:t>Lecture 4</a:t>
+            </a:r>
           </a:p>
           <a:p>
             <a:r>
@@ -7635,11 +7631,11 @@
             </a:pPr>
             <a:r>
               <a:rPr lang="en-US" altLang="en-US" dirty="0"/>
-              <a:t>Output from the </a:t>
+              <a:t>Output from </a:t>
             </a:r>
             <a:r>
               <a:rPr lang="en-US" altLang="en-US" dirty="0" smtClean="0"/>
-              <a:t>compiler</a:t>
+              <a:t>the translator software</a:t>
             </a:r>
             <a:endParaRPr lang="en-US" altLang="en-US" dirty="0"/>
           </a:p>
@@ -7654,6 +7650,88 @@
 </file>
 
 <file path=ppt/slides/slide12.xml><?xml version="1.0" encoding="utf-8"?>
+<p:sld xmlns:a="http://schemas.openxmlformats.org/drawingml/2006/main" xmlns:r="http://schemas.openxmlformats.org/officeDocument/2006/relationships" xmlns:p="http://schemas.openxmlformats.org/presentationml/2006/main">
+  <p:cSld>
+    <p:spTree>
+      <p:nvGrpSpPr>
+        <p:cNvPr id="1" name=""/>
+        <p:cNvGrpSpPr/>
+        <p:nvPr/>
+      </p:nvGrpSpPr>
+      <p:grpSpPr>
+        <a:xfrm>
+          <a:off x="0" y="0"/>
+          <a:ext cx="0" cy="0"/>
+          <a:chOff x="0" y="0"/>
+          <a:chExt cx="0" cy="0"/>
+        </a:xfrm>
+      </p:grpSpPr>
+      <p:sp>
+        <p:nvSpPr>
+          <p:cNvPr id="2" name="Title 1"/>
+          <p:cNvSpPr>
+            <a:spLocks noGrp="1"/>
+          </p:cNvSpPr>
+          <p:nvPr>
+            <p:ph type="title"/>
+          </p:nvPr>
+        </p:nvSpPr>
+        <p:spPr/>
+        <p:txBody>
+          <a:bodyPr/>
+          <a:lstStyle/>
+          <a:p>
+            <a:r>
+              <a:rPr lang="en-US" dirty="0" smtClean="0"/>
+              <a:t>Types of Translator Software</a:t>
+            </a:r>
+            <a:endParaRPr lang="en-US" dirty="0"/>
+          </a:p>
+        </p:txBody>
+      </p:sp>
+      <p:sp>
+        <p:nvSpPr>
+          <p:cNvPr id="3" name="Content Placeholder 2"/>
+          <p:cNvSpPr>
+            <a:spLocks noGrp="1"/>
+          </p:cNvSpPr>
+          <p:nvPr>
+            <p:ph idx="1"/>
+          </p:nvPr>
+        </p:nvSpPr>
+        <p:spPr/>
+        <p:txBody>
+          <a:bodyPr/>
+          <a:lstStyle/>
+          <a:p>
+            <a:r>
+              <a:rPr lang="en-US" dirty="0" smtClean="0"/>
+              <a:t>Compiler</a:t>
+            </a:r>
+          </a:p>
+          <a:p>
+            <a:r>
+              <a:rPr lang="en-US" dirty="0" smtClean="0"/>
+              <a:t>Interpreter</a:t>
+            </a:r>
+            <a:endParaRPr lang="en-US" dirty="0"/>
+          </a:p>
+        </p:txBody>
+      </p:sp>
+    </p:spTree>
+    <p:extLst>
+      <p:ext uri="{BB962C8B-B14F-4D97-AF65-F5344CB8AC3E}">
+        <p14:creationId xmlns:p14="http://schemas.microsoft.com/office/powerpoint/2010/main" val="594454837"/>
+      </p:ext>
+    </p:extLst>
+  </p:cSld>
+  <p:clrMapOvr>
+    <a:masterClrMapping/>
+  </p:clrMapOvr>
+</p:sld>
+</file>
+
+<file path=ppt/slides/slide13.xml><?xml version="1.0" encoding="utf-8"?>
 <p:sld xmlns:a="http://schemas.openxmlformats.org/drawingml/2006/main" xmlns:r="http://schemas.openxmlformats.org/officeDocument/2006/relationships" xmlns:p="http://schemas.openxmlformats.org/presentationml/2006/main">
   <p:cSld>
     <p:spTree>
@@ -9469,7 +9547,7 @@
 </p:sld>
 </file>
 
-<file path=ppt/slides/slide13.xml><?xml version="1.0" encoding="utf-8"?>
+<file path=ppt/slides/slide14.xml><?xml version="1.0" encoding="utf-8"?>
 <p:sld xmlns:a="http://schemas.openxmlformats.org/drawingml/2006/main" xmlns:r="http://schemas.openxmlformats.org/officeDocument/2006/relationships" xmlns:p="http://schemas.openxmlformats.org/presentationml/2006/main">
   <p:cSld>
     <p:spTree>
@@ -10808,7 +10886,7 @@
 </p:sld>
 </file>
 
-<file path=ppt/slides/slide14.xml><?xml version="1.0" encoding="utf-8"?>
+<file path=ppt/slides/slide15.xml><?xml version="1.0" encoding="utf-8"?>
 <p:sld xmlns:a="http://schemas.openxmlformats.org/drawingml/2006/main" xmlns:r="http://schemas.openxmlformats.org/officeDocument/2006/relationships" xmlns:p="http://schemas.openxmlformats.org/presentationml/2006/main">
   <p:cSld>
     <p:spTree>
@@ -11144,19 +11222,7 @@
               <a:rPr lang="en-US" sz="2800" dirty="0" smtClean="0">
                 <a:ea typeface="+mn-ea"/>
               </a:rPr>
-              <a:t>Compilation </a:t>
-            </a:r>
-            <a:r>
-              <a:rPr lang="en-US" sz="2800" dirty="0" smtClean="0">
-                <a:ea typeface="+mn-ea"/>
-              </a:rPr>
-              <a:t>vs. </a:t>
-            </a:r>
-            <a:r>
-              <a:rPr lang="en-US" sz="2800" dirty="0" smtClean="0">
-                <a:ea typeface="+mn-ea"/>
-              </a:rPr>
-              <a:t>Interpretation etc.</a:t>
+              <a:t>Compilation vs. Interpretation etc.</a:t>
             </a:r>
           </a:p>
         </p:txBody>
@@ -13735,9 +13801,10 @@
               </a:lnSpc>
             </a:pPr>
             <a:r>
-              <a:rPr lang="en-US" altLang="en-US" b="1" dirty="0"/>
-              <a:t>Compiler</a:t>
-            </a:r>
+              <a:rPr lang="en-US" altLang="en-US" b="1" dirty="0" smtClean="0"/>
+              <a:t>Translation Software</a:t>
+            </a:r>
+            <a:endParaRPr lang="en-US" altLang="en-US" b="1" dirty="0"/>
           </a:p>
           <a:p>
             <a:pPr lvl="1" algn="just" eaLnBrk="1" hangingPunct="1">
@@ -13758,7 +13825,15 @@
             </a:pPr>
             <a:r>
               <a:rPr lang="en-US" altLang="en-US" dirty="0"/>
-              <a:t>Some compilers output assembly language which is then converted to machine language by a separate assembler. </a:t>
+              <a:t>Some </a:t>
+            </a:r>
+            <a:r>
+              <a:rPr lang="en-US" altLang="en-US" dirty="0" smtClean="0"/>
+              <a:t>translators </a:t>
+            </a:r>
+            <a:r>
+              <a:rPr lang="en-US" altLang="en-US" dirty="0"/>
+              <a:t>output assembly language which is then converted to machine language by a separate assembler. </a:t>
             </a:r>
           </a:p>
         </p:txBody>
